--- a/Análisis Aplicación.pptx
+++ b/Análisis Aplicación.pptx
@@ -480,6 +480,301 @@
 </file>
 
 <file path=ppt/notesSlides/notesSlide1.xml><?xml version="1.0" encoding="utf-8"?>
+<p:notes xmlns:a="http://schemas.openxmlformats.org/drawingml/2006/main" xmlns:r="http://schemas.openxmlformats.org/officeDocument/2006/relationships" xmlns:p="http://schemas.openxmlformats.org/presentationml/2006/main">
+  <p:cSld>
+    <p:spTree>
+      <p:nvGrpSpPr>
+        <p:cNvPr id="1" name=""/>
+        <p:cNvGrpSpPr/>
+        <p:nvPr/>
+      </p:nvGrpSpPr>
+      <p:grpSpPr>
+        <a:xfrm>
+          <a:off x="0" y="0"/>
+          <a:ext cx="0" cy="0"/>
+          <a:chOff x="0" y="0"/>
+          <a:chExt cx="0" cy="0"/>
+        </a:xfrm>
+      </p:grpSpPr>
+      <p:sp>
+        <p:nvSpPr>
+          <p:cNvPr id="2" name="Marcador de imagen de diapositiva 1"/>
+          <p:cNvSpPr>
+            <a:spLocks noGrp="1" noRot="1" noChangeAspect="1"/>
+          </p:cNvSpPr>
+          <p:nvPr>
+            <p:ph type="sldImg"/>
+          </p:nvPr>
+        </p:nvSpPr>
+        <p:spPr/>
+      </p:sp>
+      <p:sp>
+        <p:nvSpPr>
+          <p:cNvPr id="3" name="Marcador de notas 2"/>
+          <p:cNvSpPr>
+            <a:spLocks noGrp="1"/>
+          </p:cNvSpPr>
+          <p:nvPr>
+            <p:ph type="body" idx="1"/>
+          </p:nvPr>
+        </p:nvSpPr>
+        <p:spPr/>
+        <p:txBody>
+          <a:bodyPr/>
+          <a:lstStyle/>
+          <a:p>
+            <a:pPr marL="0" marR="0" lvl="0" indent="0" algn="l" defTabSz="914400" rtl="0" eaLnBrk="1" fontAlgn="auto" latinLnBrk="0" hangingPunct="1">
+              <a:lnSpc>
+                <a:spcPct val="100000"/>
+              </a:lnSpc>
+              <a:spcBef>
+                <a:spcPts val="0"/>
+              </a:spcBef>
+              <a:spcAft>
+                <a:spcPts val="0"/>
+              </a:spcAft>
+              <a:buClrTx/>
+              <a:buSzTx/>
+              <a:buFontTx/>
+              <a:buNone/>
+              <a:tabLst/>
+              <a:defRPr/>
+            </a:pPr>
+            <a:r>
+              <a:rPr lang="es-CO" sz="1200" b="0" i="0" kern="1200" dirty="0">
+                <a:solidFill>
+                  <a:schemeClr val="tx1"/>
+                </a:solidFill>
+                <a:effectLst/>
+                <a:latin typeface="+mn-lt"/>
+                <a:ea typeface="+mn-ea"/>
+                <a:cs typeface="+mn-cs"/>
+              </a:rPr>
+              <a:t>2022-09-13</a:t>
+            </a:r>
+          </a:p>
+          <a:p>
+            <a:endParaRPr lang="es-CO" dirty="0"/>
+          </a:p>
+        </p:txBody>
+      </p:sp>
+      <p:sp>
+        <p:nvSpPr>
+          <p:cNvPr id="4" name="Marcador de número de diapositiva 3"/>
+          <p:cNvSpPr>
+            <a:spLocks noGrp="1"/>
+          </p:cNvSpPr>
+          <p:nvPr>
+            <p:ph type="sldNum" sz="quarter" idx="5"/>
+          </p:nvPr>
+        </p:nvSpPr>
+        <p:spPr/>
+        <p:txBody>
+          <a:bodyPr/>
+          <a:lstStyle/>
+          <a:p>
+            <a:fld id="{41586E8A-7BC7-4827-877F-7C28AA1C58B8}" type="slidenum">
+              <a:rPr lang="es-CO" smtClean="0"/>
+              <a:t>3</a:t>
+            </a:fld>
+            <a:endParaRPr lang="es-CO"/>
+          </a:p>
+        </p:txBody>
+      </p:sp>
+    </p:spTree>
+    <p:extLst>
+      <p:ext uri="{BB962C8B-B14F-4D97-AF65-F5344CB8AC3E}">
+        <p14:creationId xmlns:p14="http://schemas.microsoft.com/office/powerpoint/2010/main" val="1248726332"/>
+      </p:ext>
+    </p:extLst>
+  </p:cSld>
+  <p:clrMapOvr>
+    <a:masterClrMapping/>
+  </p:clrMapOvr>
+</p:notes>
+</file>
+
+<file path=ppt/notesSlides/notesSlide2.xml><?xml version="1.0" encoding="utf-8"?>
+<p:notes xmlns:a="http://schemas.openxmlformats.org/drawingml/2006/main" xmlns:r="http://schemas.openxmlformats.org/officeDocument/2006/relationships" xmlns:p="http://schemas.openxmlformats.org/presentationml/2006/main">
+  <p:cSld>
+    <p:spTree>
+      <p:nvGrpSpPr>
+        <p:cNvPr id="1" name=""/>
+        <p:cNvGrpSpPr/>
+        <p:nvPr/>
+      </p:nvGrpSpPr>
+      <p:grpSpPr>
+        <a:xfrm>
+          <a:off x="0" y="0"/>
+          <a:ext cx="0" cy="0"/>
+          <a:chOff x="0" y="0"/>
+          <a:chExt cx="0" cy="0"/>
+        </a:xfrm>
+      </p:grpSpPr>
+      <p:sp>
+        <p:nvSpPr>
+          <p:cNvPr id="2" name="Marcador de imagen de diapositiva 1"/>
+          <p:cNvSpPr>
+            <a:spLocks noGrp="1" noRot="1" noChangeAspect="1"/>
+          </p:cNvSpPr>
+          <p:nvPr>
+            <p:ph type="sldImg"/>
+          </p:nvPr>
+        </p:nvSpPr>
+        <p:spPr/>
+      </p:sp>
+      <p:sp>
+        <p:nvSpPr>
+          <p:cNvPr id="3" name="Marcador de notas 2"/>
+          <p:cNvSpPr>
+            <a:spLocks noGrp="1"/>
+          </p:cNvSpPr>
+          <p:nvPr>
+            <p:ph type="body" idx="1"/>
+          </p:nvPr>
+        </p:nvSpPr>
+        <p:spPr/>
+        <p:txBody>
+          <a:bodyPr/>
+          <a:lstStyle/>
+          <a:p>
+            <a:r>
+              <a:rPr lang="es-CO" dirty="0"/>
+              <a:t>35%</a:t>
+            </a:r>
+          </a:p>
+        </p:txBody>
+      </p:sp>
+      <p:sp>
+        <p:nvSpPr>
+          <p:cNvPr id="4" name="Marcador de número de diapositiva 3"/>
+          <p:cNvSpPr>
+            <a:spLocks noGrp="1"/>
+          </p:cNvSpPr>
+          <p:nvPr>
+            <p:ph type="sldNum" sz="quarter" idx="5"/>
+          </p:nvPr>
+        </p:nvSpPr>
+        <p:spPr/>
+        <p:txBody>
+          <a:bodyPr/>
+          <a:lstStyle/>
+          <a:p>
+            <a:fld id="{41586E8A-7BC7-4827-877F-7C28AA1C58B8}" type="slidenum">
+              <a:rPr lang="es-CO" smtClean="0"/>
+              <a:t>4</a:t>
+            </a:fld>
+            <a:endParaRPr lang="es-CO"/>
+          </a:p>
+        </p:txBody>
+      </p:sp>
+    </p:spTree>
+    <p:extLst>
+      <p:ext uri="{BB962C8B-B14F-4D97-AF65-F5344CB8AC3E}">
+        <p14:creationId xmlns:p14="http://schemas.microsoft.com/office/powerpoint/2010/main" val="1554156845"/>
+      </p:ext>
+    </p:extLst>
+  </p:cSld>
+  <p:clrMapOvr>
+    <a:masterClrMapping/>
+  </p:clrMapOvr>
+</p:notes>
+</file>
+
+<file path=ppt/notesSlides/notesSlide3.xml><?xml version="1.0" encoding="utf-8"?>
+<p:notes xmlns:a="http://schemas.openxmlformats.org/drawingml/2006/main" xmlns:r="http://schemas.openxmlformats.org/officeDocument/2006/relationships" xmlns:p="http://schemas.openxmlformats.org/presentationml/2006/main">
+  <p:cSld>
+    <p:spTree>
+      <p:nvGrpSpPr>
+        <p:cNvPr id="1" name=""/>
+        <p:cNvGrpSpPr/>
+        <p:nvPr/>
+      </p:nvGrpSpPr>
+      <p:grpSpPr>
+        <a:xfrm>
+          <a:off x="0" y="0"/>
+          <a:ext cx="0" cy="0"/>
+          <a:chOff x="0" y="0"/>
+          <a:chExt cx="0" cy="0"/>
+        </a:xfrm>
+      </p:grpSpPr>
+      <p:sp>
+        <p:nvSpPr>
+          <p:cNvPr id="2" name="Marcador de imagen de diapositiva 1"/>
+          <p:cNvSpPr>
+            <a:spLocks noGrp="1" noRot="1" noChangeAspect="1"/>
+          </p:cNvSpPr>
+          <p:nvPr>
+            <p:ph type="sldImg"/>
+          </p:nvPr>
+        </p:nvSpPr>
+        <p:spPr/>
+      </p:sp>
+      <p:sp>
+        <p:nvSpPr>
+          <p:cNvPr id="3" name="Marcador de notas 2"/>
+          <p:cNvSpPr>
+            <a:spLocks noGrp="1"/>
+          </p:cNvSpPr>
+          <p:nvPr>
+            <p:ph type="body" idx="1"/>
+          </p:nvPr>
+        </p:nvSpPr>
+        <p:spPr/>
+        <p:txBody>
+          <a:bodyPr/>
+          <a:lstStyle/>
+          <a:p>
+            <a:r>
+              <a:rPr lang="es-CO" dirty="0"/>
+              <a:t>45%</a:t>
+            </a:r>
+          </a:p>
+          <a:p>
+            <a:r>
+              <a:rPr lang="es-CO" dirty="0"/>
+              <a:t>35%</a:t>
+            </a:r>
+          </a:p>
+        </p:txBody>
+      </p:sp>
+      <p:sp>
+        <p:nvSpPr>
+          <p:cNvPr id="4" name="Marcador de número de diapositiva 3"/>
+          <p:cNvSpPr>
+            <a:spLocks noGrp="1"/>
+          </p:cNvSpPr>
+          <p:nvPr>
+            <p:ph type="sldNum" sz="quarter" idx="5"/>
+          </p:nvPr>
+        </p:nvSpPr>
+        <p:spPr/>
+        <p:txBody>
+          <a:bodyPr/>
+          <a:lstStyle/>
+          <a:p>
+            <a:fld id="{41586E8A-7BC7-4827-877F-7C28AA1C58B8}" type="slidenum">
+              <a:rPr lang="es-CO" smtClean="0"/>
+              <a:t>9</a:t>
+            </a:fld>
+            <a:endParaRPr lang="es-CO"/>
+          </a:p>
+        </p:txBody>
+      </p:sp>
+    </p:spTree>
+    <p:extLst>
+      <p:ext uri="{BB962C8B-B14F-4D97-AF65-F5344CB8AC3E}">
+        <p14:creationId xmlns:p14="http://schemas.microsoft.com/office/powerpoint/2010/main" val="661059017"/>
+      </p:ext>
+    </p:extLst>
+  </p:cSld>
+  <p:clrMapOvr>
+    <a:masterClrMapping/>
+  </p:clrMapOvr>
+</p:notes>
+</file>
+
+<file path=ppt/notesSlides/notesSlide4.xml><?xml version="1.0" encoding="utf-8"?>
 <p:notes xmlns:a="http://schemas.openxmlformats.org/drawingml/2006/main" xmlns:r="http://schemas.openxmlformats.org/officeDocument/2006/relationships" xmlns:p="http://schemas.openxmlformats.org/presentationml/2006/main">
   <p:cSld>
     <p:spTree>
@@ -6008,7 +6303,7 @@
             </a:r>
             <a:r>
               <a:rPr lang="es-ES" b="1" dirty="0"/>
-              <a:t>20-29 años</a:t>
+              <a:t>20-29 años </a:t>
             </a:r>
             <a:r>
               <a:rPr lang="es-ES" dirty="0"/>
@@ -7783,7 +8078,7 @@
           <p:nvPr/>
         </p:nvPicPr>
         <p:blipFill>
-          <a:blip r:embed="rId2"/>
+          <a:blip r:embed="rId3"/>
           <a:stretch>
             <a:fillRect/>
           </a:stretch>
@@ -7813,7 +8108,7 @@
           <p:nvPr/>
         </p:nvPicPr>
         <p:blipFill>
-          <a:blip r:embed="rId3"/>
+          <a:blip r:embed="rId4"/>
           <a:stretch>
             <a:fillRect/>
           </a:stretch>
@@ -7838,6 +8133,81 @@
   <p:clrMapOvr>
     <a:masterClrMapping/>
   </p:clrMapOvr>
+  <p:timing>
+    <p:tnLst>
+      <p:par>
+        <p:cTn id="1" dur="indefinite" restart="never" nodeType="tmRoot">
+          <p:childTnLst>
+            <p:seq concurrent="1" nextAc="seek">
+              <p:cTn id="2" dur="indefinite" nodeType="mainSeq">
+                <p:childTnLst>
+                  <p:par>
+                    <p:cTn id="3" fill="hold">
+                      <p:stCondLst>
+                        <p:cond delay="indefinite"/>
+                      </p:stCondLst>
+                      <p:childTnLst>
+                        <p:par>
+                          <p:cTn id="4" fill="hold">
+                            <p:stCondLst>
+                              <p:cond delay="0"/>
+                            </p:stCondLst>
+                            <p:childTnLst>
+                              <p:par>
+                                <p:cTn id="5" presetID="1" presetClass="entr" presetSubtype="0" fill="hold" nodeType="clickEffect">
+                                  <p:stCondLst>
+                                    <p:cond delay="0"/>
+                                  </p:stCondLst>
+                                  <p:childTnLst>
+                                    <p:set>
+                                      <p:cBhvr>
+                                        <p:cTn id="6" dur="1" fill="hold">
+                                          <p:stCondLst>
+                                            <p:cond delay="0"/>
+                                          </p:stCondLst>
+                                        </p:cTn>
+                                        <p:tgtEl>
+                                          <p:spTgt spid="7"/>
+                                        </p:tgtEl>
+                                        <p:attrNameLst>
+                                          <p:attrName>style.visibility</p:attrName>
+                                        </p:attrNameLst>
+                                      </p:cBhvr>
+                                      <p:to>
+                                        <p:strVal val="visible"/>
+                                      </p:to>
+                                    </p:set>
+                                  </p:childTnLst>
+                                </p:cTn>
+                              </p:par>
+                            </p:childTnLst>
+                          </p:cTn>
+                        </p:par>
+                      </p:childTnLst>
+                    </p:cTn>
+                  </p:par>
+                </p:childTnLst>
+              </p:cTn>
+              <p:prevCondLst>
+                <p:cond evt="onPrev" delay="0">
+                  <p:tgtEl>
+                    <p:sldTgt/>
+                  </p:tgtEl>
+                </p:cond>
+              </p:prevCondLst>
+              <p:nextCondLst>
+                <p:cond evt="onNext" delay="0">
+                  <p:tgtEl>
+                    <p:sldTgt/>
+                  </p:tgtEl>
+                </p:cond>
+              </p:nextCondLst>
+            </p:seq>
+          </p:childTnLst>
+        </p:cTn>
+      </p:par>
+    </p:tnLst>
+  </p:timing>
 </p:sld>
 </file>
 
@@ -7873,7 +8243,7 @@
           <p:nvPr/>
         </p:nvPicPr>
         <p:blipFill>
-          <a:blip r:embed="rId2"/>
+          <a:blip r:embed="rId3"/>
           <a:stretch>
             <a:fillRect/>
           </a:stretch>
@@ -8982,7 +9352,7 @@
           <p:nvPr/>
         </p:nvPicPr>
         <p:blipFill>
-          <a:blip r:embed="rId2"/>
+          <a:blip r:embed="rId3"/>
           <a:stretch>
             <a:fillRect/>
           </a:stretch>
